--- a/Data Quality/DRT Training for Genie.pptx
+++ b/Data Quality/DRT Training for Genie.pptx
@@ -5,7 +5,7 @@
     <p:sldMasterId id="2147483672" r:id="rId5"/>
   </p:sldMasterIdLst>
   <p:notesMasterIdLst>
-    <p:notesMasterId r:id="rId44"/>
+    <p:notesMasterId r:id="rId45"/>
   </p:notesMasterIdLst>
   <p:sldIdLst>
     <p:sldId id="350" r:id="rId6"/>
@@ -13,7 +13,7 @@
     <p:sldId id="385" r:id="rId8"/>
     <p:sldId id="452" r:id="rId9"/>
     <p:sldId id="453" r:id="rId10"/>
-    <p:sldId id="383" r:id="rId11"/>
+    <p:sldId id="460" r:id="rId11"/>
     <p:sldId id="455" r:id="rId12"/>
     <p:sldId id="454" r:id="rId13"/>
     <p:sldId id="384" r:id="rId14"/>
@@ -24,28 +24,29 @@
     <p:sldId id="459" r:id="rId19"/>
     <p:sldId id="457" r:id="rId20"/>
     <p:sldId id="458" r:id="rId21"/>
-    <p:sldId id="436" r:id="rId22"/>
-    <p:sldId id="419" r:id="rId23"/>
-    <p:sldId id="447" r:id="rId24"/>
-    <p:sldId id="446" r:id="rId25"/>
-    <p:sldId id="438" r:id="rId26"/>
-    <p:sldId id="439" r:id="rId27"/>
-    <p:sldId id="440" r:id="rId28"/>
-    <p:sldId id="441" r:id="rId29"/>
-    <p:sldId id="442" r:id="rId30"/>
-    <p:sldId id="448" r:id="rId31"/>
-    <p:sldId id="445" r:id="rId32"/>
-    <p:sldId id="449" r:id="rId33"/>
-    <p:sldId id="402" r:id="rId34"/>
-    <p:sldId id="432" r:id="rId35"/>
-    <p:sldId id="372" r:id="rId36"/>
-    <p:sldId id="426" r:id="rId37"/>
-    <p:sldId id="427" r:id="rId38"/>
-    <p:sldId id="429" r:id="rId39"/>
-    <p:sldId id="430" r:id="rId40"/>
-    <p:sldId id="431" r:id="rId41"/>
-    <p:sldId id="450" r:id="rId42"/>
-    <p:sldId id="413" r:id="rId43"/>
+    <p:sldId id="416" r:id="rId22"/>
+    <p:sldId id="436" r:id="rId23"/>
+    <p:sldId id="419" r:id="rId24"/>
+    <p:sldId id="447" r:id="rId25"/>
+    <p:sldId id="446" r:id="rId26"/>
+    <p:sldId id="438" r:id="rId27"/>
+    <p:sldId id="439" r:id="rId28"/>
+    <p:sldId id="440" r:id="rId29"/>
+    <p:sldId id="441" r:id="rId30"/>
+    <p:sldId id="442" r:id="rId31"/>
+    <p:sldId id="448" r:id="rId32"/>
+    <p:sldId id="445" r:id="rId33"/>
+    <p:sldId id="449" r:id="rId34"/>
+    <p:sldId id="402" r:id="rId35"/>
+    <p:sldId id="432" r:id="rId36"/>
+    <p:sldId id="372" r:id="rId37"/>
+    <p:sldId id="426" r:id="rId38"/>
+    <p:sldId id="427" r:id="rId39"/>
+    <p:sldId id="429" r:id="rId40"/>
+    <p:sldId id="430" r:id="rId41"/>
+    <p:sldId id="431" r:id="rId42"/>
+    <p:sldId id="450" r:id="rId43"/>
+    <p:sldId id="413" r:id="rId44"/>
   </p:sldIdLst>
   <p:sldSz cx="9144000" cy="6858000" type="screen4x3"/>
   <p:notesSz cx="6858000" cy="9144000"/>
@@ -154,7 +155,7 @@
             <p14:sldId id="385"/>
             <p14:sldId id="452"/>
             <p14:sldId id="453"/>
-            <p14:sldId id="383"/>
+            <p14:sldId id="460"/>
             <p14:sldId id="455"/>
             <p14:sldId id="454"/>
             <p14:sldId id="384"/>
@@ -169,6 +170,7 @@
             <p14:sldId id="459"/>
             <p14:sldId id="457"/>
             <p14:sldId id="458"/>
+            <p14:sldId id="416"/>
             <p14:sldId id="436"/>
             <p14:sldId id="419"/>
             <p14:sldId id="447"/>
@@ -376,11 +378,11 @@
         </c:dLbls>
         <c:gapWidth val="53"/>
         <c:overlap val="-27"/>
-        <c:axId val="189114624"/>
-        <c:axId val="189115184"/>
+        <c:axId val="260461136"/>
+        <c:axId val="260461696"/>
       </c:barChart>
       <c:catAx>
-        <c:axId val="189114624"/>
+        <c:axId val="260461136"/>
         <c:scaling>
           <c:orientation val="minMax"/>
         </c:scaling>
@@ -422,7 +424,7 @@
             <a:endParaRPr lang="en-US"/>
           </a:p>
         </c:txPr>
-        <c:crossAx val="189115184"/>
+        <c:crossAx val="260461696"/>
         <c:crosses val="autoZero"/>
         <c:auto val="1"/>
         <c:lblAlgn val="ctr"/>
@@ -430,7 +432,7 @@
         <c:noMultiLvlLbl val="0"/>
       </c:catAx>
       <c:valAx>
-        <c:axId val="189115184"/>
+        <c:axId val="260461696"/>
         <c:scaling>
           <c:orientation val="minMax"/>
         </c:scaling>
@@ -440,7 +442,7 @@
         <c:majorTickMark val="none"/>
         <c:minorTickMark val="none"/>
         <c:tickLblPos val="nextTo"/>
-        <c:crossAx val="189114624"/>
+        <c:crossAx val="260461136"/>
         <c:crosses val="autoZero"/>
         <c:crossBetween val="between"/>
       </c:valAx>
@@ -665,11 +667,11 @@
         </c:dLbls>
         <c:gapWidth val="53"/>
         <c:overlap val="-27"/>
-        <c:axId val="191889600"/>
-        <c:axId val="191890160"/>
+        <c:axId val="261440752"/>
+        <c:axId val="261441312"/>
       </c:barChart>
       <c:catAx>
-        <c:axId val="191889600"/>
+        <c:axId val="261440752"/>
         <c:scaling>
           <c:orientation val="minMax"/>
         </c:scaling>
@@ -711,7 +713,7 @@
             <a:endParaRPr lang="en-US"/>
           </a:p>
         </c:txPr>
-        <c:crossAx val="191890160"/>
+        <c:crossAx val="261441312"/>
         <c:crosses val="autoZero"/>
         <c:auto val="1"/>
         <c:lblAlgn val="ctr"/>
@@ -719,7 +721,7 @@
         <c:noMultiLvlLbl val="0"/>
       </c:catAx>
       <c:valAx>
-        <c:axId val="191890160"/>
+        <c:axId val="261441312"/>
         <c:scaling>
           <c:orientation val="minMax"/>
         </c:scaling>
@@ -729,7 +731,7 @@
         <c:majorTickMark val="none"/>
         <c:minorTickMark val="none"/>
         <c:tickLblPos val="nextTo"/>
-        <c:crossAx val="191889600"/>
+        <c:crossAx val="261440752"/>
         <c:crosses val="autoZero"/>
         <c:crossBetween val="between"/>
       </c:valAx>
@@ -938,11 +940,11 @@
         </c:dLbls>
         <c:gapWidth val="53"/>
         <c:overlap val="-27"/>
-        <c:axId val="191892400"/>
-        <c:axId val="191892960"/>
+        <c:axId val="261568560"/>
+        <c:axId val="261569120"/>
       </c:barChart>
       <c:catAx>
-        <c:axId val="191892400"/>
+        <c:axId val="261568560"/>
         <c:scaling>
           <c:orientation val="minMax"/>
         </c:scaling>
@@ -984,7 +986,7 @@
             <a:endParaRPr lang="en-US"/>
           </a:p>
         </c:txPr>
-        <c:crossAx val="191892960"/>
+        <c:crossAx val="261569120"/>
         <c:crosses val="autoZero"/>
         <c:auto val="1"/>
         <c:lblAlgn val="ctr"/>
@@ -992,7 +994,7 @@
         <c:noMultiLvlLbl val="0"/>
       </c:catAx>
       <c:valAx>
-        <c:axId val="191892960"/>
+        <c:axId val="261569120"/>
         <c:scaling>
           <c:orientation val="minMax"/>
         </c:scaling>
@@ -1002,7 +1004,7 @@
         <c:majorTickMark val="none"/>
         <c:minorTickMark val="none"/>
         <c:tickLblPos val="nextTo"/>
-        <c:crossAx val="191892400"/>
+        <c:crossAx val="261568560"/>
         <c:crosses val="autoZero"/>
         <c:crossBetween val="between"/>
       </c:valAx>
@@ -2752,7 +2754,7 @@
           <a:p>
             <a:fld id="{9E432BAC-1811-4783-B505-E836447C43B1}" type="datetimeFigureOut">
               <a:rPr lang="en-US" smtClean="0"/>
-              <a:t>5/30/2018</a:t>
+              <a:t>6/1/2018</a:t>
             </a:fld>
             <a:endParaRPr lang="en-US"/>
           </a:p>
@@ -3268,38 +3270,6 @@
           <a:bodyPr/>
           <a:lstStyle/>
           <a:p>
-            <a:r>
-              <a:rPr lang="en-US" dirty="0" smtClean="0"/>
-              <a:t>The majority of Disaggregate</a:t>
-            </a:r>
-            <a:r>
-              <a:rPr lang="en-US" baseline="0" dirty="0" smtClean="0"/>
-              <a:t> Completeness Checks that will be deployed in Q2 will be focused on identifying cases where the sum of disaggregates are </a:t>
-            </a:r>
-            <a:r>
-              <a:rPr lang="en-US" i="1" baseline="0" dirty="0" smtClean="0"/>
-              <a:t>greater than </a:t>
-            </a:r>
-            <a:r>
-              <a:rPr lang="en-US" i="0" baseline="0" dirty="0" smtClean="0"/>
-              <a:t>the total numerator (or where the total numerator is missing completely). However, there are flags related to PMTCT_STAT that highlight any cases where the sum of the disaggregates </a:t>
-            </a:r>
-            <a:r>
-              <a:rPr lang="en-US" i="1" baseline="0" dirty="0" smtClean="0"/>
-              <a:t>do not exactly equal</a:t>
-            </a:r>
-            <a:r>
-              <a:rPr lang="en-US" i="0" baseline="0" dirty="0" smtClean="0"/>
-              <a:t> the total numerator. Additional disaggregate completeness checks that assess exact completeness are in the process of being developed. The DRT does not include checks that assess under-completeness (when the total sum of the disaggregates are </a:t>
-            </a:r>
-            <a:r>
-              <a:rPr lang="en-US" i="1" baseline="0" dirty="0" smtClean="0"/>
-              <a:t>less than</a:t>
-            </a:r>
-            <a:r>
-              <a:rPr lang="en-US" i="0" baseline="0" dirty="0" smtClean="0"/>
-              <a:t> the total numerator)</a:t>
-            </a:r>
             <a:endParaRPr lang="en-US" dirty="0"/>
           </a:p>
         </p:txBody>
@@ -3330,7 +3300,7 @@
     </p:spTree>
     <p:extLst>
       <p:ext uri="{BB962C8B-B14F-4D97-AF65-F5344CB8AC3E}">
-        <p14:creationId xmlns:p14="http://schemas.microsoft.com/office/powerpoint/2010/main" val="3031933574"/>
+        <p14:creationId xmlns:p14="http://schemas.microsoft.com/office/powerpoint/2010/main" val="3884728485"/>
       </p:ext>
     </p:extLst>
   </p:cSld>
@@ -3384,6 +3354,38 @@
           <a:bodyPr/>
           <a:lstStyle/>
           <a:p>
+            <a:r>
+              <a:rPr lang="en-US" dirty="0" smtClean="0"/>
+              <a:t>The majority of Disaggregate</a:t>
+            </a:r>
+            <a:r>
+              <a:rPr lang="en-US" baseline="0" dirty="0" smtClean="0"/>
+              <a:t> Completeness Checks that will be deployed in Q2 will be focused on identifying cases where the sum of disaggregates are </a:t>
+            </a:r>
+            <a:r>
+              <a:rPr lang="en-US" i="1" baseline="0" dirty="0" smtClean="0"/>
+              <a:t>greater than </a:t>
+            </a:r>
+            <a:r>
+              <a:rPr lang="en-US" i="0" baseline="0" dirty="0" smtClean="0"/>
+              <a:t>the total numerator (or where the total numerator is missing completely). However, there are flags related to PMTCT_STAT that highlight any cases where the sum of the disaggregates </a:t>
+            </a:r>
+            <a:r>
+              <a:rPr lang="en-US" i="1" baseline="0" dirty="0" smtClean="0"/>
+              <a:t>do not exactly equal</a:t>
+            </a:r>
+            <a:r>
+              <a:rPr lang="en-US" i="0" baseline="0" dirty="0" smtClean="0"/>
+              <a:t> the total numerator. Additional disaggregate completeness checks that assess exact completeness are in the process of being developed. The DRT does not include checks that assess under-completeness (when the total sum of the disaggregates are </a:t>
+            </a:r>
+            <a:r>
+              <a:rPr lang="en-US" i="1" baseline="0" dirty="0" smtClean="0"/>
+              <a:t>less than</a:t>
+            </a:r>
+            <a:r>
+              <a:rPr lang="en-US" i="0" baseline="0" dirty="0" smtClean="0"/>
+              <a:t> the total numerator)</a:t>
+            </a:r>
             <a:endParaRPr lang="en-US" dirty="0"/>
           </a:p>
         </p:txBody>
@@ -3414,7 +3416,7 @@
     </p:spTree>
     <p:extLst>
       <p:ext uri="{BB962C8B-B14F-4D97-AF65-F5344CB8AC3E}">
-        <p14:creationId xmlns:p14="http://schemas.microsoft.com/office/powerpoint/2010/main" val="3302954002"/>
+        <p14:creationId xmlns:p14="http://schemas.microsoft.com/office/powerpoint/2010/main" val="3031933574"/>
       </p:ext>
     </p:extLst>
   </p:cSld>
@@ -3468,35 +3470,6 @@
           <a:bodyPr/>
           <a:lstStyle/>
           <a:p>
-            <a:pPr marL="0" marR="0" lvl="0" indent="0" algn="l" defTabSz="914400" rtl="0" eaLnBrk="1" fontAlgn="auto" latinLnBrk="0" hangingPunct="1">
-              <a:lnSpc>
-                <a:spcPct val="100000"/>
-              </a:lnSpc>
-              <a:spcBef>
-                <a:spcPts val="0"/>
-              </a:spcBef>
-              <a:spcAft>
-                <a:spcPts val="0"/>
-              </a:spcAft>
-              <a:buClrTx/>
-              <a:buSzTx/>
-              <a:buFontTx/>
-              <a:buNone/>
-              <a:tabLst/>
-              <a:defRPr/>
-            </a:pPr>
-            <a:r>
-              <a:rPr lang="en-US" dirty="0" smtClean="0"/>
-              <a:t>The checks</a:t>
-            </a:r>
-            <a:r>
-              <a:rPr lang="en-US" baseline="0" dirty="0" smtClean="0"/>
-              <a:t> do not necessarily mean that the data is</a:t>
-            </a:r>
-            <a:r>
-              <a:rPr lang="en-US" i="0" baseline="0" dirty="0" smtClean="0"/>
-              <a:t> incorrect or wrong or unexpected. For example, there may be programmatic reasons &amp; shifts that can explain why a site/IM had a target but doesn’t have results. But there are some other types of checks are more likely to be indicative of a data quality issue – for example a numerator that is greater than your denominator.</a:t>
-            </a:r>
             <a:endParaRPr lang="en-US" dirty="0"/>
           </a:p>
         </p:txBody>
@@ -3516,7 +3489,7 @@
           <a:bodyPr/>
           <a:lstStyle/>
           <a:p>
-            <a:fld id="{39306350-3595-4F12-8D43-528C025054A9}" type="slidenum">
+            <a:fld id="{E8ADA090-13DF-4D65-8869-12DE51CA2B20}" type="slidenum">
               <a:rPr lang="en-US" smtClean="0"/>
               <a:t>19</a:t>
             </a:fld>
@@ -3527,7 +3500,7 @@
     </p:spTree>
     <p:extLst>
       <p:ext uri="{BB962C8B-B14F-4D97-AF65-F5344CB8AC3E}">
-        <p14:creationId xmlns:p14="http://schemas.microsoft.com/office/powerpoint/2010/main" val="3331333931"/>
+        <p14:creationId xmlns:p14="http://schemas.microsoft.com/office/powerpoint/2010/main" val="3302954002"/>
       </p:ext>
     </p:extLst>
   </p:cSld>
@@ -3581,6 +3554,35 @@
           <a:bodyPr/>
           <a:lstStyle/>
           <a:p>
+            <a:pPr marL="0" marR="0" lvl="0" indent="0" algn="l" defTabSz="914400" rtl="0" eaLnBrk="1" fontAlgn="auto" latinLnBrk="0" hangingPunct="1">
+              <a:lnSpc>
+                <a:spcPct val="100000"/>
+              </a:lnSpc>
+              <a:spcBef>
+                <a:spcPts val="0"/>
+              </a:spcBef>
+              <a:spcAft>
+                <a:spcPts val="0"/>
+              </a:spcAft>
+              <a:buClrTx/>
+              <a:buSzTx/>
+              <a:buFontTx/>
+              <a:buNone/>
+              <a:tabLst/>
+              <a:defRPr/>
+            </a:pPr>
+            <a:r>
+              <a:rPr lang="en-US" dirty="0" smtClean="0"/>
+              <a:t>The checks</a:t>
+            </a:r>
+            <a:r>
+              <a:rPr lang="en-US" baseline="0" dirty="0" smtClean="0"/>
+              <a:t> do not necessarily mean that the data is</a:t>
+            </a:r>
+            <a:r>
+              <a:rPr lang="en-US" i="0" baseline="0" dirty="0" smtClean="0"/>
+              <a:t> incorrect or wrong or unexpected. For example, there may be programmatic reasons &amp; shifts that can explain why a site/IM had a target but doesn’t have results. But there are some other types of checks are more likely to be indicative of a data quality issue – for example a numerator that is greater than your denominator.</a:t>
+            </a:r>
             <a:endParaRPr lang="en-US" dirty="0"/>
           </a:p>
         </p:txBody>
@@ -3602,7 +3604,7 @@
           <a:p>
             <a:fld id="{39306350-3595-4F12-8D43-528C025054A9}" type="slidenum">
               <a:rPr lang="en-US" smtClean="0"/>
-              <a:t>27</a:t>
+              <a:t>20</a:t>
             </a:fld>
             <a:endParaRPr lang="en-US"/>
           </a:p>
@@ -3611,7 +3613,7 @@
     </p:spTree>
     <p:extLst>
       <p:ext uri="{BB962C8B-B14F-4D97-AF65-F5344CB8AC3E}">
-        <p14:creationId xmlns:p14="http://schemas.microsoft.com/office/powerpoint/2010/main" val="1597669956"/>
+        <p14:creationId xmlns:p14="http://schemas.microsoft.com/office/powerpoint/2010/main" val="3331333931"/>
       </p:ext>
     </p:extLst>
   </p:cSld>
@@ -3665,34 +3667,6 @@
           <a:bodyPr/>
           <a:lstStyle/>
           <a:p>
-            <a:r>
-              <a:rPr lang="en-US" dirty="0" smtClean="0"/>
-              <a:t>The</a:t>
-            </a:r>
-            <a:r>
-              <a:rPr lang="en-US" baseline="0" dirty="0" smtClean="0"/>
-              <a:t> site name associated with each </a:t>
-            </a:r>
-            <a:r>
-              <a:rPr lang="en-US" baseline="0" dirty="0" err="1" smtClean="0"/>
-              <a:t>SiteID</a:t>
-            </a:r>
-            <a:r>
-              <a:rPr lang="en-US" baseline="0" dirty="0" smtClean="0"/>
-              <a:t> can be l</a:t>
-            </a:r>
-            <a:r>
-              <a:rPr lang="en-US" dirty="0" smtClean="0"/>
-              <a:t>ooked up on DATIM’s </a:t>
-            </a:r>
-            <a:r>
-              <a:rPr lang="en-US" dirty="0" err="1" smtClean="0"/>
-              <a:t>zendesk</a:t>
-            </a:r>
-            <a:r>
-              <a:rPr lang="en-US" dirty="0" smtClean="0"/>
-              <a:t> in the Org Unit Code List (https://datim.zendesk.com/hc/en-us/articles/115002334246-DATIM-Data-Import-and-Exchange-Resources) </a:t>
-            </a:r>
             <a:endParaRPr lang="en-US" dirty="0"/>
           </a:p>
         </p:txBody>
@@ -3714,7 +3688,7 @@
           <a:p>
             <a:fld id="{39306350-3595-4F12-8D43-528C025054A9}" type="slidenum">
               <a:rPr lang="en-US" smtClean="0"/>
-              <a:t>29</a:t>
+              <a:t>28</a:t>
             </a:fld>
             <a:endParaRPr lang="en-US"/>
           </a:p>
@@ -3723,7 +3697,7 @@
     </p:spTree>
     <p:extLst>
       <p:ext uri="{BB962C8B-B14F-4D97-AF65-F5344CB8AC3E}">
-        <p14:creationId xmlns:p14="http://schemas.microsoft.com/office/powerpoint/2010/main" val="988791062"/>
+        <p14:creationId xmlns:p14="http://schemas.microsoft.com/office/powerpoint/2010/main" val="1597669956"/>
       </p:ext>
     </p:extLst>
   </p:cSld>
@@ -3777,6 +3751,34 @@
           <a:bodyPr/>
           <a:lstStyle/>
           <a:p>
+            <a:r>
+              <a:rPr lang="en-US" dirty="0" smtClean="0"/>
+              <a:t>The</a:t>
+            </a:r>
+            <a:r>
+              <a:rPr lang="en-US" baseline="0" dirty="0" smtClean="0"/>
+              <a:t> site name associated with each </a:t>
+            </a:r>
+            <a:r>
+              <a:rPr lang="en-US" baseline="0" dirty="0" err="1" smtClean="0"/>
+              <a:t>SiteID</a:t>
+            </a:r>
+            <a:r>
+              <a:rPr lang="en-US" baseline="0" dirty="0" smtClean="0"/>
+              <a:t> can be l</a:t>
+            </a:r>
+            <a:r>
+              <a:rPr lang="en-US" dirty="0" smtClean="0"/>
+              <a:t>ooked up on DATIM’s </a:t>
+            </a:r>
+            <a:r>
+              <a:rPr lang="en-US" dirty="0" err="1" smtClean="0"/>
+              <a:t>zendesk</a:t>
+            </a:r>
+            <a:r>
+              <a:rPr lang="en-US" dirty="0" smtClean="0"/>
+              <a:t> in the Org Unit Code List (https://datim.zendesk.com/hc/en-us/articles/115002334246-DATIM-Data-Import-and-Exchange-Resources) </a:t>
+            </a:r>
             <a:endParaRPr lang="en-US" dirty="0"/>
           </a:p>
         </p:txBody>
@@ -3798,7 +3800,91 @@
           <a:p>
             <a:fld id="{39306350-3595-4F12-8D43-528C025054A9}" type="slidenum">
               <a:rPr lang="en-US" smtClean="0"/>
-              <a:t>31</a:t>
+              <a:t>30</a:t>
+            </a:fld>
+            <a:endParaRPr lang="en-US"/>
+          </a:p>
+        </p:txBody>
+      </p:sp>
+    </p:spTree>
+    <p:extLst>
+      <p:ext uri="{BB962C8B-B14F-4D97-AF65-F5344CB8AC3E}">
+        <p14:creationId xmlns:p14="http://schemas.microsoft.com/office/powerpoint/2010/main" val="988791062"/>
+      </p:ext>
+    </p:extLst>
+  </p:cSld>
+  <p:clrMapOvr>
+    <a:masterClrMapping/>
+  </p:clrMapOvr>
+</p:notes>
+</file>
+
+<file path=ppt/notesSlides/notesSlide17.xml><?xml version="1.0" encoding="utf-8"?>
+<p:notes xmlns:a="http://schemas.openxmlformats.org/drawingml/2006/main" xmlns:r="http://schemas.openxmlformats.org/officeDocument/2006/relationships" xmlns:p="http://schemas.openxmlformats.org/presentationml/2006/main">
+  <p:cSld>
+    <p:spTree>
+      <p:nvGrpSpPr>
+        <p:cNvPr id="1" name=""/>
+        <p:cNvGrpSpPr/>
+        <p:nvPr/>
+      </p:nvGrpSpPr>
+      <p:grpSpPr>
+        <a:xfrm>
+          <a:off x="0" y="0"/>
+          <a:ext cx="0" cy="0"/>
+          <a:chOff x="0" y="0"/>
+          <a:chExt cx="0" cy="0"/>
+        </a:xfrm>
+      </p:grpSpPr>
+      <p:sp>
+        <p:nvSpPr>
+          <p:cNvPr id="2" name="Slide Image Placeholder 1"/>
+          <p:cNvSpPr>
+            <a:spLocks noGrp="1" noRot="1" noChangeAspect="1"/>
+          </p:cNvSpPr>
+          <p:nvPr>
+            <p:ph type="sldImg"/>
+          </p:nvPr>
+        </p:nvSpPr>
+        <p:spPr/>
+      </p:sp>
+      <p:sp>
+        <p:nvSpPr>
+          <p:cNvPr id="3" name="Notes Placeholder 2"/>
+          <p:cNvSpPr>
+            <a:spLocks noGrp="1"/>
+          </p:cNvSpPr>
+          <p:nvPr>
+            <p:ph type="body" idx="1"/>
+          </p:nvPr>
+        </p:nvSpPr>
+        <p:spPr/>
+        <p:txBody>
+          <a:bodyPr/>
+          <a:lstStyle/>
+          <a:p>
+            <a:endParaRPr lang="en-US" dirty="0"/>
+          </a:p>
+        </p:txBody>
+      </p:sp>
+      <p:sp>
+        <p:nvSpPr>
+          <p:cNvPr id="4" name="Slide Number Placeholder 3"/>
+          <p:cNvSpPr>
+            <a:spLocks noGrp="1"/>
+          </p:cNvSpPr>
+          <p:nvPr>
+            <p:ph type="sldNum" sz="quarter" idx="10"/>
+          </p:nvPr>
+        </p:nvSpPr>
+        <p:spPr/>
+        <p:txBody>
+          <a:bodyPr/>
+          <a:lstStyle/>
+          <a:p>
+            <a:fld id="{39306350-3595-4F12-8D43-528C025054A9}" type="slidenum">
+              <a:rPr lang="en-US" smtClean="0"/>
+              <a:t>32</a:t>
             </a:fld>
             <a:endParaRPr lang="en-US"/>
           </a:p>
@@ -4066,17 +4152,26 @@
           <a:lstStyle/>
           <a:p>
             <a:fld id="{39306350-3595-4F12-8D43-528C025054A9}" type="slidenum">
-              <a:rPr lang="en-US" smtClean="0"/>
+              <a:rPr lang="en-US" smtClean="0">
+                <a:solidFill>
+                  <a:prstClr val="black"/>
+                </a:solidFill>
+              </a:rPr>
+              <a:pPr/>
               <a:t>6</a:t>
             </a:fld>
-            <a:endParaRPr lang="en-US"/>
+            <a:endParaRPr lang="en-US">
+              <a:solidFill>
+                <a:prstClr val="black"/>
+              </a:solidFill>
+            </a:endParaRPr>
           </a:p>
         </p:txBody>
       </p:sp>
     </p:spTree>
     <p:extLst>
       <p:ext uri="{BB962C8B-B14F-4D97-AF65-F5344CB8AC3E}">
-        <p14:creationId xmlns:p14="http://schemas.microsoft.com/office/powerpoint/2010/main" val="4268441288"/>
+        <p14:creationId xmlns:p14="http://schemas.microsoft.com/office/powerpoint/2010/main" val="1883339537"/>
       </p:ext>
     </p:extLst>
   </p:cSld>
@@ -4805,7 +4900,7 @@
                 </a:solidFill>
               </a:rPr>
               <a:pPr/>
-              <a:t>5/30/2018</a:t>
+              <a:t>6/1/2018</a:t>
             </a:fld>
             <a:endParaRPr lang="en-US">
               <a:solidFill>
@@ -5205,7 +5300,7 @@
                 </a:solidFill>
               </a:rPr>
               <a:pPr/>
-              <a:t>5/30/2018</a:t>
+              <a:t>6/1/2018</a:t>
             </a:fld>
             <a:endParaRPr lang="en-US">
               <a:solidFill>
@@ -5526,7 +5621,7 @@
                 </a:solidFill>
               </a:rPr>
               <a:pPr/>
-              <a:t>5/30/2018</a:t>
+              <a:t>6/1/2018</a:t>
             </a:fld>
             <a:endParaRPr lang="en-US">
               <a:solidFill>
@@ -6831,7 +6926,7 @@
                 </a:solidFill>
               </a:rPr>
               <a:pPr/>
-              <a:t>5/30/2018</a:t>
+              <a:t>6/1/2018</a:t>
             </a:fld>
             <a:endParaRPr lang="en-US">
               <a:solidFill>
@@ -7206,7 +7301,7 @@
                 </a:solidFill>
               </a:rPr>
               <a:pPr/>
-              <a:t>5/30/2018</a:t>
+              <a:t>6/1/2018</a:t>
             </a:fld>
             <a:endParaRPr lang="en-US">
               <a:solidFill>
@@ -7632,7 +7727,7 @@
                 </a:solidFill>
               </a:rPr>
               <a:pPr/>
-              <a:t>5/30/2018</a:t>
+              <a:t>6/1/2018</a:t>
             </a:fld>
             <a:endParaRPr lang="en-US">
               <a:solidFill>
@@ -8188,7 +8283,7 @@
                 </a:solidFill>
               </a:rPr>
               <a:pPr/>
-              <a:t>5/30/2018</a:t>
+              <a:t>6/1/2018</a:t>
             </a:fld>
             <a:endParaRPr lang="en-US">
               <a:solidFill>
@@ -8444,7 +8539,7 @@
                 </a:solidFill>
               </a:rPr>
               <a:pPr/>
-              <a:t>5/30/2018</a:t>
+              <a:t>6/1/2018</a:t>
             </a:fld>
             <a:endParaRPr lang="en-US">
               <a:solidFill>
@@ -8662,7 +8757,7 @@
                 </a:solidFill>
               </a:rPr>
               <a:pPr/>
-              <a:t>5/30/2018</a:t>
+              <a:t>6/1/2018</a:t>
             </a:fld>
             <a:endParaRPr lang="en-US">
               <a:solidFill>
@@ -8980,7 +9075,7 @@
                 </a:solidFill>
               </a:rPr>
               <a:pPr/>
-              <a:t>5/30/2018</a:t>
+              <a:t>6/1/2018</a:t>
             </a:fld>
             <a:endParaRPr lang="en-US">
               <a:solidFill>
@@ -9276,7 +9371,7 @@
                 </a:solidFill>
               </a:rPr>
               <a:pPr/>
-              <a:t>5/30/2018</a:t>
+              <a:t>6/1/2018</a:t>
             </a:fld>
             <a:endParaRPr lang="en-US">
               <a:solidFill>
@@ -9528,7 +9623,7 @@
                 </a:solidFill>
               </a:rPr>
               <a:pPr/>
-              <a:t>5/30/2018</a:t>
+              <a:t>6/1/2018</a:t>
             </a:fld>
             <a:endParaRPr lang="en-US">
               <a:solidFill>
@@ -12975,6 +13070,30 @@
           <a:chExt cx="0" cy="0"/>
         </a:xfrm>
       </p:grpSpPr>
+      <p:pic>
+        <p:nvPicPr>
+          <p:cNvPr id="5" name="Picture 4"/>
+          <p:cNvPicPr>
+            <a:picLocks noChangeAspect="1"/>
+          </p:cNvPicPr>
+          <p:nvPr/>
+        </p:nvPicPr>
+        <p:blipFill>
+          <a:blip r:embed="rId3"/>
+          <a:stretch>
+            <a:fillRect/>
+          </a:stretch>
+        </p:blipFill>
+        <p:spPr>
+          <a:xfrm>
+            <a:off x="7596988" y="924736"/>
+            <a:ext cx="1547012" cy="2105025"/>
+          </a:xfrm>
+          <a:prstGeom prst="rect">
+            <a:avLst/>
+          </a:prstGeom>
+        </p:spPr>
+      </p:pic>
       <p:sp>
         <p:nvSpPr>
           <p:cNvPr id="3" name="Title 2"/>
@@ -13180,7 +13299,7 @@
           <p:nvPr/>
         </p:nvPicPr>
         <p:blipFill>
-          <a:blip r:embed="rId3"/>
+          <a:blip r:embed="rId4"/>
           <a:stretch>
             <a:fillRect/>
           </a:stretch>
@@ -13189,30 +13308,6 @@
           <a:xfrm>
             <a:off x="8269355" y="205410"/>
             <a:ext cx="398951" cy="534080"/>
-          </a:xfrm>
-          <a:prstGeom prst="rect">
-            <a:avLst/>
-          </a:prstGeom>
-        </p:spPr>
-      </p:pic>
-      <p:pic>
-        <p:nvPicPr>
-          <p:cNvPr id="6" name="Picture 5"/>
-          <p:cNvPicPr>
-            <a:picLocks noChangeAspect="1"/>
-          </p:cNvPicPr>
-          <p:nvPr/>
-        </p:nvPicPr>
-        <p:blipFill>
-          <a:blip r:embed="rId4"/>
-          <a:stretch>
-            <a:fillRect/>
-          </a:stretch>
-        </p:blipFill>
-        <p:spPr>
-          <a:xfrm>
-            <a:off x="7543474" y="885825"/>
-            <a:ext cx="1547012" cy="2105025"/>
           </a:xfrm>
           <a:prstGeom prst="rect">
             <a:avLst/>
@@ -13524,6 +13619,260 @@
 </file>
 
 <file path=ppt/slides/slide17.xml><?xml version="1.0" encoding="utf-8"?>
+<p:sld xmlns:a="http://schemas.openxmlformats.org/drawingml/2006/main" xmlns:r="http://schemas.openxmlformats.org/officeDocument/2006/relationships" xmlns:p="http://schemas.openxmlformats.org/presentationml/2006/main">
+  <p:cSld>
+    <p:spTree>
+      <p:nvGrpSpPr>
+        <p:cNvPr id="1" name=""/>
+        <p:cNvGrpSpPr/>
+        <p:nvPr/>
+      </p:nvGrpSpPr>
+      <p:grpSpPr>
+        <a:xfrm>
+          <a:off x="0" y="0"/>
+          <a:ext cx="0" cy="0"/>
+          <a:chOff x="0" y="0"/>
+          <a:chExt cx="0" cy="0"/>
+        </a:xfrm>
+      </p:grpSpPr>
+      <p:pic>
+        <p:nvPicPr>
+          <p:cNvPr id="4" name="Picture 3"/>
+          <p:cNvPicPr>
+            <a:picLocks noChangeAspect="1"/>
+          </p:cNvPicPr>
+          <p:nvPr/>
+        </p:nvPicPr>
+        <p:blipFill>
+          <a:blip r:embed="rId3"/>
+          <a:stretch>
+            <a:fillRect/>
+          </a:stretch>
+        </p:blipFill>
+        <p:spPr>
+          <a:xfrm>
+            <a:off x="8303877" y="228600"/>
+            <a:ext cx="366495" cy="509366"/>
+          </a:xfrm>
+          <a:prstGeom prst="rect">
+            <a:avLst/>
+          </a:prstGeom>
+        </p:spPr>
+      </p:pic>
+      <p:sp>
+        <p:nvSpPr>
+          <p:cNvPr id="3" name="Title 2"/>
+          <p:cNvSpPr>
+            <a:spLocks noGrp="1"/>
+          </p:cNvSpPr>
+          <p:nvPr>
+            <p:ph type="title"/>
+          </p:nvPr>
+        </p:nvSpPr>
+        <p:spPr/>
+        <p:txBody>
+          <a:bodyPr/>
+          <a:lstStyle/>
+          <a:p>
+            <a:r>
+              <a:rPr lang="en-US" dirty="0"/>
+              <a:t>Types of </a:t>
+            </a:r>
+            <a:r>
+              <a:rPr lang="en-US" dirty="0" smtClean="0"/>
+              <a:t>Checks – Disaggregate Completeness</a:t>
+            </a:r>
+            <a:endParaRPr lang="en-US" dirty="0"/>
+          </a:p>
+        </p:txBody>
+      </p:sp>
+      <p:sp>
+        <p:nvSpPr>
+          <p:cNvPr id="2" name="Text Placeholder 1"/>
+          <p:cNvSpPr>
+            <a:spLocks noGrp="1"/>
+          </p:cNvSpPr>
+          <p:nvPr>
+            <p:ph idx="1"/>
+          </p:nvPr>
+        </p:nvSpPr>
+        <p:spPr>
+          <a:xfrm>
+            <a:off x="457200" y="1143001"/>
+            <a:ext cx="8229600" cy="5715000"/>
+          </a:xfrm>
+        </p:spPr>
+        <p:txBody>
+          <a:bodyPr>
+            <a:normAutofit/>
+          </a:bodyPr>
+          <a:lstStyle/>
+          <a:p>
+            <a:r>
+              <a:rPr lang="en-US" b="1" dirty="0"/>
+              <a:t>Disaggregate Completeness Checks </a:t>
+            </a:r>
+            <a:r>
+              <a:rPr lang="en-US" dirty="0"/>
+              <a:t>– </a:t>
+            </a:r>
+            <a:r>
+              <a:rPr lang="en-US" dirty="0" smtClean="0"/>
+              <a:t>Compares completeness of a </a:t>
+            </a:r>
+            <a:r>
+              <a:rPr lang="en-US" dirty="0"/>
+              <a:t>disaggregate (e.g., </a:t>
+            </a:r>
+            <a:r>
+              <a:rPr lang="en-US" dirty="0" smtClean="0"/>
+              <a:t>age/sex) to </a:t>
+            </a:r>
+            <a:r>
+              <a:rPr lang="en-US" dirty="0"/>
+              <a:t>the overall total </a:t>
+            </a:r>
+            <a:r>
+              <a:rPr lang="en-US" dirty="0" smtClean="0"/>
+              <a:t>(</a:t>
+            </a:r>
+            <a:r>
+              <a:rPr lang="en-US" dirty="0"/>
+              <a:t>e.g., Total Numerator)</a:t>
+            </a:r>
+          </a:p>
+          <a:p>
+            <a:endParaRPr lang="en-US" dirty="0" smtClean="0"/>
+          </a:p>
+          <a:p>
+            <a:endParaRPr lang="en-US" dirty="0"/>
+          </a:p>
+          <a:p>
+            <a:endParaRPr lang="en-US" dirty="0" smtClean="0"/>
+          </a:p>
+          <a:p>
+            <a:endParaRPr lang="en-US" dirty="0" smtClean="0"/>
+          </a:p>
+          <a:p>
+            <a:pPr marL="0" indent="0" algn="ctr">
+              <a:buNone/>
+            </a:pPr>
+            <a:r>
+              <a:rPr lang="en-US" sz="3200" b="1" dirty="0" smtClean="0">
+                <a:solidFill>
+                  <a:schemeClr val="tx2"/>
+                </a:solidFill>
+              </a:rPr>
+              <a:t>Disaggregate Completeness Checks will not be deployed after the Q2 initial entry period has closed</a:t>
+            </a:r>
+            <a:endParaRPr lang="en-US" sz="2000" dirty="0" smtClean="0">
+              <a:solidFill>
+                <a:schemeClr val="tx1">
+                  <a:lumMod val="50000"/>
+                  <a:lumOff val="50000"/>
+                </a:schemeClr>
+              </a:solidFill>
+            </a:endParaRPr>
+          </a:p>
+          <a:p>
+            <a:pPr marL="0" indent="0" algn="ctr">
+              <a:buNone/>
+            </a:pPr>
+            <a:r>
+              <a:rPr lang="en-US" sz="2000" dirty="0" smtClean="0">
+                <a:solidFill>
+                  <a:schemeClr val="tx1">
+                    <a:lumMod val="50000"/>
+                    <a:lumOff val="50000"/>
+                  </a:schemeClr>
+                </a:solidFill>
+              </a:rPr>
+              <a:t>Until then, teams are encouraged to use OGAC’s DATIM completeness favorites (“PEPFAR FY18 Q2 SAPR </a:t>
+            </a:r>
+            <a:r>
+              <a:rPr lang="en-US" sz="2000" u="sng" dirty="0" smtClean="0">
+                <a:solidFill>
+                  <a:schemeClr val="tx1">
+                    <a:lumMod val="50000"/>
+                    <a:lumOff val="50000"/>
+                  </a:schemeClr>
+                </a:solidFill>
+              </a:rPr>
+              <a:t>             </a:t>
+            </a:r>
+            <a:r>
+              <a:rPr lang="en-US" sz="2000" dirty="0" smtClean="0">
+                <a:solidFill>
+                  <a:schemeClr val="tx1">
+                    <a:lumMod val="50000"/>
+                    <a:lumOff val="50000"/>
+                  </a:schemeClr>
+                </a:solidFill>
+              </a:rPr>
+              <a:t> Completeness Review Pivot”)</a:t>
+            </a:r>
+            <a:endParaRPr lang="en-US" sz="2000" dirty="0">
+              <a:solidFill>
+                <a:schemeClr val="tx1">
+                  <a:lumMod val="50000"/>
+                  <a:lumOff val="50000"/>
+                </a:schemeClr>
+              </a:solidFill>
+            </a:endParaRPr>
+          </a:p>
+        </p:txBody>
+      </p:sp>
+      <p:pic>
+        <p:nvPicPr>
+          <p:cNvPr id="17" name="Picture 16"/>
+          <p:cNvPicPr>
+            <a:picLocks noChangeAspect="1"/>
+          </p:cNvPicPr>
+          <p:nvPr/>
+        </p:nvPicPr>
+        <p:blipFill>
+          <a:blip r:embed="rId4">
+            <a:extLst>
+              <a:ext uri="{28A0092B-C50C-407E-A947-70E740481C1C}">
+                <a14:useLocalDpi xmlns:a14="http://schemas.microsoft.com/office/drawing/2010/main" val="0"/>
+              </a:ext>
+            </a:extLst>
+          </a:blip>
+          <a:stretch>
+            <a:fillRect/>
+          </a:stretch>
+        </p:blipFill>
+        <p:spPr>
+          <a:xfrm>
+            <a:off x="563315" y="1143001"/>
+            <a:ext cx="7923809" cy="2946032"/>
+          </a:xfrm>
+          <a:prstGeom prst="rect">
+            <a:avLst/>
+          </a:prstGeom>
+        </p:spPr>
+      </p:pic>
+    </p:spTree>
+    <p:extLst>
+      <p:ext uri="{BB962C8B-B14F-4D97-AF65-F5344CB8AC3E}">
+        <p14:creationId xmlns:p14="http://schemas.microsoft.com/office/powerpoint/2010/main" val="1355942981"/>
+      </p:ext>
+    </p:extLst>
+  </p:cSld>
+  <p:clrMapOvr>
+    <a:masterClrMapping/>
+  </p:clrMapOvr>
+  <p:timing>
+    <p:tnLst>
+      <p:par>
+        <p:cTn id="1" dur="indefinite" restart="never" nodeType="tmRoot"/>
+      </p:par>
+    </p:tnLst>
+  </p:timing>
+</p:sld>
+</file>
+
+<file path=ppt/slides/slide18.xml><?xml version="1.0" encoding="utf-8"?>
 <p:sld xmlns:a="http://schemas.openxmlformats.org/drawingml/2006/main" xmlns:r="http://schemas.openxmlformats.org/officeDocument/2006/relationships" xmlns:p="http://schemas.openxmlformats.org/presentationml/2006/main">
   <p:cSld>
     <p:spTree>
@@ -14096,7 +14445,7 @@
 </p:sld>
 </file>
 
-<file path=ppt/slides/slide18.xml><?xml version="1.0" encoding="utf-8"?>
+<file path=ppt/slides/slide19.xml><?xml version="1.0" encoding="utf-8"?>
 <p:sld xmlns:a="http://schemas.openxmlformats.org/drawingml/2006/main" xmlns:r="http://schemas.openxmlformats.org/officeDocument/2006/relationships" xmlns:p="http://schemas.openxmlformats.org/presentationml/2006/main">
   <p:cSld>
     <p:spTree>
@@ -14554,7 +14903,126 @@
 </p:sld>
 </file>
 
-<file path=ppt/slides/slide19.xml><?xml version="1.0" encoding="utf-8"?>
+<file path=ppt/slides/slide2.xml><?xml version="1.0" encoding="utf-8"?>
+<p:sld xmlns:a="http://schemas.openxmlformats.org/drawingml/2006/main" xmlns:r="http://schemas.openxmlformats.org/officeDocument/2006/relationships" xmlns:p="http://schemas.openxmlformats.org/presentationml/2006/main">
+  <p:cSld>
+    <p:spTree>
+      <p:nvGrpSpPr>
+        <p:cNvPr id="1" name=""/>
+        <p:cNvGrpSpPr/>
+        <p:nvPr/>
+      </p:nvGrpSpPr>
+      <p:grpSpPr>
+        <a:xfrm>
+          <a:off x="0" y="0"/>
+          <a:ext cx="0" cy="0"/>
+          <a:chOff x="0" y="0"/>
+          <a:chExt cx="0" cy="0"/>
+        </a:xfrm>
+      </p:grpSpPr>
+      <p:sp>
+        <p:nvSpPr>
+          <p:cNvPr id="2" name="Title 1"/>
+          <p:cNvSpPr>
+            <a:spLocks noGrp="1"/>
+          </p:cNvSpPr>
+          <p:nvPr>
+            <p:ph type="title"/>
+          </p:nvPr>
+        </p:nvSpPr>
+        <p:spPr/>
+        <p:txBody>
+          <a:bodyPr/>
+          <a:lstStyle/>
+          <a:p>
+            <a:r>
+              <a:rPr lang="en-US" dirty="0" smtClean="0"/>
+              <a:t>Training Contents</a:t>
+            </a:r>
+            <a:endParaRPr lang="en-US" dirty="0"/>
+          </a:p>
+        </p:txBody>
+      </p:sp>
+      <p:sp>
+        <p:nvSpPr>
+          <p:cNvPr id="3" name="Content Placeholder 2"/>
+          <p:cNvSpPr>
+            <a:spLocks noGrp="1"/>
+          </p:cNvSpPr>
+          <p:nvPr>
+            <p:ph idx="1"/>
+          </p:nvPr>
+        </p:nvSpPr>
+        <p:spPr/>
+        <p:txBody>
+          <a:bodyPr/>
+          <a:lstStyle/>
+          <a:p>
+            <a:r>
+              <a:rPr lang="en-US" sz="3200" dirty="0" smtClean="0"/>
+              <a:t>Background </a:t>
+            </a:r>
+          </a:p>
+          <a:p>
+            <a:r>
+              <a:rPr lang="en-US" sz="3200" dirty="0" smtClean="0"/>
+              <a:t>Types of Data Quality Checks</a:t>
+            </a:r>
+          </a:p>
+          <a:p>
+            <a:r>
+              <a:rPr lang="en-US" sz="3200" dirty="0" smtClean="0"/>
+              <a:t>Accessing the Tool</a:t>
+            </a:r>
+          </a:p>
+          <a:p>
+            <a:r>
+              <a:rPr lang="en-US" sz="3200" dirty="0" smtClean="0"/>
+              <a:t>Availability of Data</a:t>
+            </a:r>
+          </a:p>
+          <a:p>
+            <a:r>
+              <a:rPr lang="en-US" sz="3200" dirty="0" smtClean="0"/>
+              <a:t>Structure of the Tool</a:t>
+            </a:r>
+          </a:p>
+          <a:p>
+            <a:r>
+              <a:rPr lang="en-US" sz="3200" dirty="0" smtClean="0"/>
+              <a:t>Additional Resources</a:t>
+            </a:r>
+            <a:endParaRPr lang="en-US" sz="3200" dirty="0"/>
+          </a:p>
+          <a:p>
+            <a:pPr marL="0" indent="0">
+              <a:buNone/>
+            </a:pPr>
+            <a:endParaRPr lang="en-US" dirty="0" smtClean="0"/>
+          </a:p>
+        </p:txBody>
+      </p:sp>
+    </p:spTree>
+    <p:extLst>
+      <p:ext uri="{BB962C8B-B14F-4D97-AF65-F5344CB8AC3E}">
+        <p14:creationId xmlns:p14="http://schemas.microsoft.com/office/powerpoint/2010/main" val="1242250446"/>
+      </p:ext>
+    </p:extLst>
+  </p:cSld>
+  <p:clrMapOvr>
+    <a:masterClrMapping/>
+  </p:clrMapOvr>
+  <p:timing>
+    <p:tnLst>
+      <p:par>
+        <p:cTn id="1" dur="indefinite" restart="never" nodeType="tmRoot"/>
+      </p:par>
+    </p:tnLst>
+  </p:timing>
+</p:sld>
+</file>
+
+<file path=ppt/slides/slide20.xml><?xml version="1.0" encoding="utf-8"?>
 <p:sld xmlns:a="http://schemas.openxmlformats.org/drawingml/2006/main" xmlns:r="http://schemas.openxmlformats.org/officeDocument/2006/relationships" xmlns:p="http://schemas.openxmlformats.org/presentationml/2006/main">
   <p:cSld>
     <p:spTree>
@@ -14728,126 +15196,7 @@
 </p:sld>
 </file>
 
-<file path=ppt/slides/slide2.xml><?xml version="1.0" encoding="utf-8"?>
-<p:sld xmlns:a="http://schemas.openxmlformats.org/drawingml/2006/main" xmlns:r="http://schemas.openxmlformats.org/officeDocument/2006/relationships" xmlns:p="http://schemas.openxmlformats.org/presentationml/2006/main">
-  <p:cSld>
-    <p:spTree>
-      <p:nvGrpSpPr>
-        <p:cNvPr id="1" name=""/>
-        <p:cNvGrpSpPr/>
-        <p:nvPr/>
-      </p:nvGrpSpPr>
-      <p:grpSpPr>
-        <a:xfrm>
-          <a:off x="0" y="0"/>
-          <a:ext cx="0" cy="0"/>
-          <a:chOff x="0" y="0"/>
-          <a:chExt cx="0" cy="0"/>
-        </a:xfrm>
-      </p:grpSpPr>
-      <p:sp>
-        <p:nvSpPr>
-          <p:cNvPr id="2" name="Title 1"/>
-          <p:cNvSpPr>
-            <a:spLocks noGrp="1"/>
-          </p:cNvSpPr>
-          <p:nvPr>
-            <p:ph type="title"/>
-          </p:nvPr>
-        </p:nvSpPr>
-        <p:spPr/>
-        <p:txBody>
-          <a:bodyPr/>
-          <a:lstStyle/>
-          <a:p>
-            <a:r>
-              <a:rPr lang="en-US" dirty="0" smtClean="0"/>
-              <a:t>Training Contents</a:t>
-            </a:r>
-            <a:endParaRPr lang="en-US" dirty="0"/>
-          </a:p>
-        </p:txBody>
-      </p:sp>
-      <p:sp>
-        <p:nvSpPr>
-          <p:cNvPr id="3" name="Content Placeholder 2"/>
-          <p:cNvSpPr>
-            <a:spLocks noGrp="1"/>
-          </p:cNvSpPr>
-          <p:nvPr>
-            <p:ph idx="1"/>
-          </p:nvPr>
-        </p:nvSpPr>
-        <p:spPr/>
-        <p:txBody>
-          <a:bodyPr/>
-          <a:lstStyle/>
-          <a:p>
-            <a:r>
-              <a:rPr lang="en-US" sz="3200" dirty="0" smtClean="0"/>
-              <a:t>Background </a:t>
-            </a:r>
-          </a:p>
-          <a:p>
-            <a:r>
-              <a:rPr lang="en-US" sz="3200" dirty="0" smtClean="0"/>
-              <a:t>Types of Data Quality Checks</a:t>
-            </a:r>
-          </a:p>
-          <a:p>
-            <a:r>
-              <a:rPr lang="en-US" sz="3200" dirty="0" smtClean="0"/>
-              <a:t>Accessing the Tool</a:t>
-            </a:r>
-          </a:p>
-          <a:p>
-            <a:r>
-              <a:rPr lang="en-US" sz="3200" dirty="0" smtClean="0"/>
-              <a:t>Availability of Data</a:t>
-            </a:r>
-          </a:p>
-          <a:p>
-            <a:r>
-              <a:rPr lang="en-US" sz="3200" dirty="0" smtClean="0"/>
-              <a:t>Structure of the Tool</a:t>
-            </a:r>
-          </a:p>
-          <a:p>
-            <a:r>
-              <a:rPr lang="en-US" sz="3200" dirty="0" smtClean="0"/>
-              <a:t>Additional Resources</a:t>
-            </a:r>
-            <a:endParaRPr lang="en-US" sz="3200" dirty="0"/>
-          </a:p>
-          <a:p>
-            <a:pPr marL="0" indent="0">
-              <a:buNone/>
-            </a:pPr>
-            <a:endParaRPr lang="en-US" dirty="0" smtClean="0"/>
-          </a:p>
-        </p:txBody>
-      </p:sp>
-    </p:spTree>
-    <p:extLst>
-      <p:ext uri="{BB962C8B-B14F-4D97-AF65-F5344CB8AC3E}">
-        <p14:creationId xmlns:p14="http://schemas.microsoft.com/office/powerpoint/2010/main" val="1242250446"/>
-      </p:ext>
-    </p:extLst>
-  </p:cSld>
-  <p:clrMapOvr>
-    <a:masterClrMapping/>
-  </p:clrMapOvr>
-  <p:timing>
-    <p:tnLst>
-      <p:par>
-        <p:cTn id="1" dur="indefinite" restart="never" nodeType="tmRoot"/>
-      </p:par>
-    </p:tnLst>
-  </p:timing>
-</p:sld>
-</file>
-
-<file path=ppt/slides/slide20.xml><?xml version="1.0" encoding="utf-8"?>
+<file path=ppt/slides/slide21.xml><?xml version="1.0" encoding="utf-8"?>
 <p:sld xmlns:a="http://schemas.openxmlformats.org/drawingml/2006/main" xmlns:r="http://schemas.openxmlformats.org/officeDocument/2006/relationships" xmlns:p="http://schemas.openxmlformats.org/presentationml/2006/main">
   <p:cSld>
     <p:spTree>
@@ -14932,7 +15281,7 @@
 </p:sld>
 </file>
 
-<file path=ppt/slides/slide21.xml><?xml version="1.0" encoding="utf-8"?>
+<file path=ppt/slides/slide22.xml><?xml version="1.0" encoding="utf-8"?>
 <p:sld xmlns:a="http://schemas.openxmlformats.org/drawingml/2006/main" xmlns:r="http://schemas.openxmlformats.org/officeDocument/2006/relationships" xmlns:p="http://schemas.openxmlformats.org/presentationml/2006/main">
   <p:cSld>
     <p:spTree>
@@ -15134,7 +15483,7 @@
 </p:sld>
 </file>
 
-<file path=ppt/slides/slide22.xml><?xml version="1.0" encoding="utf-8"?>
+<file path=ppt/slides/slide23.xml><?xml version="1.0" encoding="utf-8"?>
 <p:sld xmlns:a="http://schemas.openxmlformats.org/drawingml/2006/main" xmlns:r="http://schemas.openxmlformats.org/officeDocument/2006/relationships" xmlns:p="http://schemas.openxmlformats.org/presentationml/2006/main">
   <p:cSld>
     <p:spTree>
@@ -15450,7 +15799,7 @@
 </p:sld>
 </file>
 
-<file path=ppt/slides/slide23.xml><?xml version="1.0" encoding="utf-8"?>
+<file path=ppt/slides/slide24.xml><?xml version="1.0" encoding="utf-8"?>
 <p:sld xmlns:a="http://schemas.openxmlformats.org/drawingml/2006/main" xmlns:r="http://schemas.openxmlformats.org/officeDocument/2006/relationships" xmlns:p="http://schemas.openxmlformats.org/presentationml/2006/main">
   <p:cSld>
     <p:spTree>
@@ -15794,7 +16143,7 @@
 </p:sld>
 </file>
 
-<file path=ppt/slides/slide24.xml><?xml version="1.0" encoding="utf-8"?>
+<file path=ppt/slides/slide25.xml><?xml version="1.0" encoding="utf-8"?>
 <p:sld xmlns:a="http://schemas.openxmlformats.org/drawingml/2006/main" xmlns:r="http://schemas.openxmlformats.org/officeDocument/2006/relationships" xmlns:p="http://schemas.openxmlformats.org/presentationml/2006/main">
   <p:cSld>
     <p:spTree>
@@ -16083,7 +16432,7 @@
 </p:sld>
 </file>
 
-<file path=ppt/slides/slide25.xml><?xml version="1.0" encoding="utf-8"?>
+<file path=ppt/slides/slide26.xml><?xml version="1.0" encoding="utf-8"?>
 <p:sld xmlns:a="http://schemas.openxmlformats.org/drawingml/2006/main" xmlns:r="http://schemas.openxmlformats.org/officeDocument/2006/relationships" xmlns:p="http://schemas.openxmlformats.org/presentationml/2006/main">
   <p:cSld>
     <p:spTree>
@@ -16320,7 +16669,7 @@
 </p:sld>
 </file>
 
-<file path=ppt/slides/slide26.xml><?xml version="1.0" encoding="utf-8"?>
+<file path=ppt/slides/slide27.xml><?xml version="1.0" encoding="utf-8"?>
 <p:sld xmlns:a="http://schemas.openxmlformats.org/drawingml/2006/main" xmlns:r="http://schemas.openxmlformats.org/officeDocument/2006/relationships" xmlns:p="http://schemas.openxmlformats.org/presentationml/2006/main">
   <p:cSld>
     <p:spTree>
@@ -16429,7 +16778,7 @@
 </p:sld>
 </file>
 
-<file path=ppt/slides/slide27.xml><?xml version="1.0" encoding="utf-8"?>
+<file path=ppt/slides/slide28.xml><?xml version="1.0" encoding="utf-8"?>
 <p:sld xmlns:a="http://schemas.openxmlformats.org/drawingml/2006/main" xmlns:r="http://schemas.openxmlformats.org/officeDocument/2006/relationships" xmlns:p="http://schemas.openxmlformats.org/presentationml/2006/main">
   <p:cSld>
     <p:spTree>
@@ -16644,7 +16993,7 @@
 </p:sld>
 </file>
 
-<file path=ppt/slides/slide28.xml><?xml version="1.0" encoding="utf-8"?>
+<file path=ppt/slides/slide29.xml><?xml version="1.0" encoding="utf-8"?>
 <p:sld xmlns:a="http://schemas.openxmlformats.org/drawingml/2006/main" xmlns:r="http://schemas.openxmlformats.org/officeDocument/2006/relationships" xmlns:p="http://schemas.openxmlformats.org/presentationml/2006/main">
   <p:cSld>
     <p:spTree>
@@ -17394,7 +17743,179 @@
 </p:sld>
 </file>
 
-<file path=ppt/slides/slide29.xml><?xml version="1.0" encoding="utf-8"?>
+<file path=ppt/slides/slide3.xml><?xml version="1.0" encoding="utf-8"?>
+<p:sld xmlns:a="http://schemas.openxmlformats.org/drawingml/2006/main" xmlns:r="http://schemas.openxmlformats.org/officeDocument/2006/relationships" xmlns:p="http://schemas.openxmlformats.org/presentationml/2006/main">
+  <p:cSld>
+    <p:spTree>
+      <p:nvGrpSpPr>
+        <p:cNvPr id="1" name=""/>
+        <p:cNvGrpSpPr/>
+        <p:nvPr/>
+      </p:nvGrpSpPr>
+      <p:grpSpPr>
+        <a:xfrm>
+          <a:off x="0" y="0"/>
+          <a:ext cx="0" cy="0"/>
+          <a:chOff x="0" y="0"/>
+          <a:chExt cx="0" cy="0"/>
+        </a:xfrm>
+      </p:grpSpPr>
+      <p:sp>
+        <p:nvSpPr>
+          <p:cNvPr id="2" name="Title 1"/>
+          <p:cNvSpPr>
+            <a:spLocks noGrp="1"/>
+          </p:cNvSpPr>
+          <p:nvPr>
+            <p:ph type="title"/>
+          </p:nvPr>
+        </p:nvSpPr>
+        <p:spPr/>
+        <p:txBody>
+          <a:bodyPr/>
+          <a:lstStyle/>
+          <a:p>
+            <a:r>
+              <a:rPr lang="en-US" dirty="0" smtClean="0"/>
+              <a:t>Learning Objectives</a:t>
+            </a:r>
+            <a:endParaRPr lang="en-US" dirty="0"/>
+          </a:p>
+        </p:txBody>
+      </p:sp>
+      <p:sp>
+        <p:nvSpPr>
+          <p:cNvPr id="3" name="Content Placeholder 2"/>
+          <p:cNvSpPr>
+            <a:spLocks noGrp="1"/>
+          </p:cNvSpPr>
+          <p:nvPr>
+            <p:ph idx="1"/>
+          </p:nvPr>
+        </p:nvSpPr>
+        <p:spPr/>
+        <p:txBody>
+          <a:bodyPr>
+            <a:normAutofit/>
+          </a:bodyPr>
+          <a:lstStyle/>
+          <a:p>
+            <a:pPr marL="285750" indent="-285750">
+              <a:lnSpc>
+                <a:spcPts val="3500"/>
+              </a:lnSpc>
+            </a:pPr>
+            <a:r>
+              <a:rPr lang="en-US" dirty="0" smtClean="0"/>
+              <a:t>Understand how the Data Review Tool (DRT) can be used to help partners, country teams, and HQ staff assess and improve MER data quality </a:t>
+            </a:r>
+          </a:p>
+          <a:p>
+            <a:pPr marL="285750" indent="-285750">
+              <a:lnSpc>
+                <a:spcPts val="3500"/>
+              </a:lnSpc>
+            </a:pPr>
+            <a:r>
+              <a:rPr lang="en-US" dirty="0"/>
+              <a:t>Be familiar with what types of checks the DRT covers</a:t>
+            </a:r>
+          </a:p>
+          <a:p>
+            <a:pPr marL="285750" indent="-285750">
+              <a:lnSpc>
+                <a:spcPts val="3500"/>
+              </a:lnSpc>
+            </a:pPr>
+            <a:r>
+              <a:rPr lang="en-US" dirty="0"/>
+              <a:t>Recognize </a:t>
+            </a:r>
+            <a:r>
+              <a:rPr lang="en-US" dirty="0" smtClean="0"/>
+              <a:t>aspects </a:t>
+            </a:r>
+            <a:r>
+              <a:rPr lang="en-US" dirty="0"/>
+              <a:t>of data quality that are </a:t>
+            </a:r>
+            <a:r>
+              <a:rPr lang="en-US" i="1" dirty="0"/>
+              <a:t>not </a:t>
+            </a:r>
+            <a:r>
+              <a:rPr lang="en-US" dirty="0" smtClean="0"/>
+              <a:t>included</a:t>
+            </a:r>
+            <a:endParaRPr lang="en-US" dirty="0"/>
+          </a:p>
+          <a:p>
+            <a:pPr marL="285750" indent="-285750">
+              <a:lnSpc>
+                <a:spcPts val="3500"/>
+              </a:lnSpc>
+            </a:pPr>
+            <a:r>
+              <a:rPr lang="en-US" dirty="0" smtClean="0"/>
+              <a:t>Know how </a:t>
+            </a:r>
+            <a:r>
+              <a:rPr lang="en-US" dirty="0"/>
+              <a:t>to </a:t>
+            </a:r>
+            <a:r>
+              <a:rPr lang="en-US" dirty="0" smtClean="0"/>
+              <a:t>download the DRT from Genie </a:t>
+            </a:r>
+          </a:p>
+          <a:p>
+            <a:pPr marL="285750" indent="-285750">
+              <a:lnSpc>
+                <a:spcPts val="3500"/>
+              </a:lnSpc>
+            </a:pPr>
+            <a:r>
+              <a:rPr lang="en-US" dirty="0" smtClean="0"/>
+              <a:t>Recognize key information about data availability (timing &amp; account permissions)</a:t>
+            </a:r>
+          </a:p>
+          <a:p>
+            <a:pPr marL="285750" indent="-285750">
+              <a:lnSpc>
+                <a:spcPts val="3500"/>
+              </a:lnSpc>
+            </a:pPr>
+            <a:endParaRPr lang="en-US" sz="2400" dirty="0" smtClean="0"/>
+          </a:p>
+          <a:p>
+            <a:pPr marL="0" indent="0" algn="ctr">
+              <a:buNone/>
+            </a:pPr>
+            <a:endParaRPr lang="en-US" dirty="0"/>
+          </a:p>
+        </p:txBody>
+      </p:sp>
+    </p:spTree>
+    <p:extLst>
+      <p:ext uri="{BB962C8B-B14F-4D97-AF65-F5344CB8AC3E}">
+        <p14:creationId xmlns:p14="http://schemas.microsoft.com/office/powerpoint/2010/main" val="4070193025"/>
+      </p:ext>
+    </p:extLst>
+  </p:cSld>
+  <p:clrMapOvr>
+    <a:masterClrMapping/>
+  </p:clrMapOvr>
+  <p:timing>
+    <p:tnLst>
+      <p:par>
+        <p:cTn id="1" dur="indefinite" restart="never" nodeType="tmRoot"/>
+      </p:par>
+    </p:tnLst>
+  </p:timing>
+</p:sld>
+</file>
+
+<file path=ppt/slides/slide30.xml><?xml version="1.0" encoding="utf-8"?>
 <p:sld xmlns:a="http://schemas.openxmlformats.org/drawingml/2006/main" xmlns:r="http://schemas.openxmlformats.org/officeDocument/2006/relationships" xmlns:p="http://schemas.openxmlformats.org/presentationml/2006/main">
   <p:cSld>
     <p:spTree>
@@ -17682,179 +18203,7 @@
 </p:sld>
 </file>
 
-<file path=ppt/slides/slide3.xml><?xml version="1.0" encoding="utf-8"?>
-<p:sld xmlns:a="http://schemas.openxmlformats.org/drawingml/2006/main" xmlns:r="http://schemas.openxmlformats.org/officeDocument/2006/relationships" xmlns:p="http://schemas.openxmlformats.org/presentationml/2006/main">
-  <p:cSld>
-    <p:spTree>
-      <p:nvGrpSpPr>
-        <p:cNvPr id="1" name=""/>
-        <p:cNvGrpSpPr/>
-        <p:nvPr/>
-      </p:nvGrpSpPr>
-      <p:grpSpPr>
-        <a:xfrm>
-          <a:off x="0" y="0"/>
-          <a:ext cx="0" cy="0"/>
-          <a:chOff x="0" y="0"/>
-          <a:chExt cx="0" cy="0"/>
-        </a:xfrm>
-      </p:grpSpPr>
-      <p:sp>
-        <p:nvSpPr>
-          <p:cNvPr id="2" name="Title 1"/>
-          <p:cNvSpPr>
-            <a:spLocks noGrp="1"/>
-          </p:cNvSpPr>
-          <p:nvPr>
-            <p:ph type="title"/>
-          </p:nvPr>
-        </p:nvSpPr>
-        <p:spPr/>
-        <p:txBody>
-          <a:bodyPr/>
-          <a:lstStyle/>
-          <a:p>
-            <a:r>
-              <a:rPr lang="en-US" dirty="0" smtClean="0"/>
-              <a:t>Learning Objectives</a:t>
-            </a:r>
-            <a:endParaRPr lang="en-US" dirty="0"/>
-          </a:p>
-        </p:txBody>
-      </p:sp>
-      <p:sp>
-        <p:nvSpPr>
-          <p:cNvPr id="3" name="Content Placeholder 2"/>
-          <p:cNvSpPr>
-            <a:spLocks noGrp="1"/>
-          </p:cNvSpPr>
-          <p:nvPr>
-            <p:ph idx="1"/>
-          </p:nvPr>
-        </p:nvSpPr>
-        <p:spPr/>
-        <p:txBody>
-          <a:bodyPr>
-            <a:normAutofit/>
-          </a:bodyPr>
-          <a:lstStyle/>
-          <a:p>
-            <a:pPr marL="285750" indent="-285750">
-              <a:lnSpc>
-                <a:spcPts val="3500"/>
-              </a:lnSpc>
-            </a:pPr>
-            <a:r>
-              <a:rPr lang="en-US" dirty="0" smtClean="0"/>
-              <a:t>Understand how the Data Review Tool (DRT) can be used to help partners, country teams, and HQ staff assess and improve MER data quality </a:t>
-            </a:r>
-          </a:p>
-          <a:p>
-            <a:pPr marL="285750" indent="-285750">
-              <a:lnSpc>
-                <a:spcPts val="3500"/>
-              </a:lnSpc>
-            </a:pPr>
-            <a:r>
-              <a:rPr lang="en-US" dirty="0"/>
-              <a:t>Be familiar with what types of checks the DRT covers</a:t>
-            </a:r>
-          </a:p>
-          <a:p>
-            <a:pPr marL="285750" indent="-285750">
-              <a:lnSpc>
-                <a:spcPts val="3500"/>
-              </a:lnSpc>
-            </a:pPr>
-            <a:r>
-              <a:rPr lang="en-US" dirty="0"/>
-              <a:t>Recognize </a:t>
-            </a:r>
-            <a:r>
-              <a:rPr lang="en-US" dirty="0" smtClean="0"/>
-              <a:t>aspects </a:t>
-            </a:r>
-            <a:r>
-              <a:rPr lang="en-US" dirty="0"/>
-              <a:t>of data quality that are </a:t>
-            </a:r>
-            <a:r>
-              <a:rPr lang="en-US" i="1" dirty="0"/>
-              <a:t>not </a:t>
-            </a:r>
-            <a:r>
-              <a:rPr lang="en-US" dirty="0" smtClean="0"/>
-              <a:t>included</a:t>
-            </a:r>
-            <a:endParaRPr lang="en-US" dirty="0"/>
-          </a:p>
-          <a:p>
-            <a:pPr marL="285750" indent="-285750">
-              <a:lnSpc>
-                <a:spcPts val="3500"/>
-              </a:lnSpc>
-            </a:pPr>
-            <a:r>
-              <a:rPr lang="en-US" dirty="0" smtClean="0"/>
-              <a:t>Know how </a:t>
-            </a:r>
-            <a:r>
-              <a:rPr lang="en-US" dirty="0"/>
-              <a:t>to </a:t>
-            </a:r>
-            <a:r>
-              <a:rPr lang="en-US" dirty="0" smtClean="0"/>
-              <a:t>download the DRT from Genie </a:t>
-            </a:r>
-          </a:p>
-          <a:p>
-            <a:pPr marL="285750" indent="-285750">
-              <a:lnSpc>
-                <a:spcPts val="3500"/>
-              </a:lnSpc>
-            </a:pPr>
-            <a:r>
-              <a:rPr lang="en-US" dirty="0" smtClean="0"/>
-              <a:t>Recognize key information about data availability (timing &amp; account permissions)</a:t>
-            </a:r>
-          </a:p>
-          <a:p>
-            <a:pPr marL="285750" indent="-285750">
-              <a:lnSpc>
-                <a:spcPts val="3500"/>
-              </a:lnSpc>
-            </a:pPr>
-            <a:endParaRPr lang="en-US" sz="2400" dirty="0" smtClean="0"/>
-          </a:p>
-          <a:p>
-            <a:pPr marL="0" indent="0" algn="ctr">
-              <a:buNone/>
-            </a:pPr>
-            <a:endParaRPr lang="en-US" dirty="0"/>
-          </a:p>
-        </p:txBody>
-      </p:sp>
-    </p:spTree>
-    <p:extLst>
-      <p:ext uri="{BB962C8B-B14F-4D97-AF65-F5344CB8AC3E}">
-        <p14:creationId xmlns:p14="http://schemas.microsoft.com/office/powerpoint/2010/main" val="4070193025"/>
-      </p:ext>
-    </p:extLst>
-  </p:cSld>
-  <p:clrMapOvr>
-    <a:masterClrMapping/>
-  </p:clrMapOvr>
-  <p:timing>
-    <p:tnLst>
-      <p:par>
-        <p:cTn id="1" dur="indefinite" restart="never" nodeType="tmRoot"/>
-      </p:par>
-    </p:tnLst>
-  </p:timing>
-</p:sld>
-</file>
-
-<file path=ppt/slides/slide30.xml><?xml version="1.0" encoding="utf-8"?>
+<file path=ppt/slides/slide31.xml><?xml version="1.0" encoding="utf-8"?>
 <p:sld xmlns:a="http://schemas.openxmlformats.org/drawingml/2006/main" xmlns:r="http://schemas.openxmlformats.org/officeDocument/2006/relationships" xmlns:p="http://schemas.openxmlformats.org/presentationml/2006/main">
   <p:cSld>
     <p:spTree>
@@ -17953,7 +18302,7 @@
 </p:sld>
 </file>
 
-<file path=ppt/slides/slide31.xml><?xml version="1.0" encoding="utf-8"?>
+<file path=ppt/slides/slide32.xml><?xml version="1.0" encoding="utf-8"?>
 <p:sld xmlns:a="http://schemas.openxmlformats.org/drawingml/2006/main" xmlns:r="http://schemas.openxmlformats.org/officeDocument/2006/relationships" xmlns:p="http://schemas.openxmlformats.org/presentationml/2006/main">
   <p:cSld>
     <p:spTree>
@@ -18126,7 +18475,7 @@
 </p:sld>
 </file>
 
-<file path=ppt/slides/slide32.xml><?xml version="1.0" encoding="utf-8"?>
+<file path=ppt/slides/slide33.xml><?xml version="1.0" encoding="utf-8"?>
 <p:sld xmlns:a="http://schemas.openxmlformats.org/drawingml/2006/main" xmlns:r="http://schemas.openxmlformats.org/officeDocument/2006/relationships" xmlns:p="http://schemas.openxmlformats.org/presentationml/2006/main">
   <p:cSld>
     <p:spTree>
@@ -18370,7 +18719,7 @@
 </p:sld>
 </file>
 
-<file path=ppt/slides/slide33.xml><?xml version="1.0" encoding="utf-8"?>
+<file path=ppt/slides/slide34.xml><?xml version="1.0" encoding="utf-8"?>
 <p:sld xmlns:a="http://schemas.openxmlformats.org/drawingml/2006/main" xmlns:r="http://schemas.openxmlformats.org/officeDocument/2006/relationships" xmlns:p="http://schemas.openxmlformats.org/presentationml/2006/main">
   <p:cSld>
     <p:spTree>
@@ -18556,7 +18905,7 @@
 </p:sld>
 </file>
 
-<file path=ppt/slides/slide34.xml><?xml version="1.0" encoding="utf-8"?>
+<file path=ppt/slides/slide35.xml><?xml version="1.0" encoding="utf-8"?>
 <p:sld xmlns:a="http://schemas.openxmlformats.org/drawingml/2006/main" xmlns:r="http://schemas.openxmlformats.org/officeDocument/2006/relationships" xmlns:p="http://schemas.openxmlformats.org/presentationml/2006/main">
   <p:cSld>
     <p:spTree>
@@ -18798,7 +19147,7 @@
 </p:sld>
 </file>
 
-<file path=ppt/slides/slide35.xml><?xml version="1.0" encoding="utf-8"?>
+<file path=ppt/slides/slide36.xml><?xml version="1.0" encoding="utf-8"?>
 <p:sld xmlns:a="http://schemas.openxmlformats.org/drawingml/2006/main" xmlns:r="http://schemas.openxmlformats.org/officeDocument/2006/relationships" xmlns:p="http://schemas.openxmlformats.org/presentationml/2006/main">
   <p:cSld>
     <p:spTree>
@@ -19026,7 +19375,7 @@
 </p:sld>
 </file>
 
-<file path=ppt/slides/slide36.xml><?xml version="1.0" encoding="utf-8"?>
+<file path=ppt/slides/slide37.xml><?xml version="1.0" encoding="utf-8"?>
 <p:sld xmlns:a="http://schemas.openxmlformats.org/drawingml/2006/main" xmlns:r="http://schemas.openxmlformats.org/officeDocument/2006/relationships" xmlns:p="http://schemas.openxmlformats.org/presentationml/2006/main">
   <p:cSld>
     <p:spTree>
@@ -19470,7 +19819,7 @@
 </p:sld>
 </file>
 
-<file path=ppt/slides/slide37.xml><?xml version="1.0" encoding="utf-8"?>
+<file path=ppt/slides/slide38.xml><?xml version="1.0" encoding="utf-8"?>
 <p:sld xmlns:a="http://schemas.openxmlformats.org/drawingml/2006/main" xmlns:r="http://schemas.openxmlformats.org/officeDocument/2006/relationships" xmlns:p="http://schemas.openxmlformats.org/presentationml/2006/main">
   <p:cSld>
     <p:spTree>
@@ -19650,7 +19999,7 @@
 </p:sld>
 </file>
 
-<file path=ppt/slides/slide38.xml><?xml version="1.0" encoding="utf-8"?>
+<file path=ppt/slides/slide39.xml><?xml version="1.0" encoding="utf-8"?>
 <p:sld xmlns:a="http://schemas.openxmlformats.org/drawingml/2006/main" xmlns:r="http://schemas.openxmlformats.org/officeDocument/2006/relationships" xmlns:p="http://schemas.openxmlformats.org/presentationml/2006/main">
   <p:cSld>
     <p:spTree>
@@ -20689,15 +21038,27 @@
             </a:r>
             <a:r>
               <a:rPr lang="en-US" sz="3200" dirty="0" smtClean="0"/>
-              <a:t>is often a labor intensive process</a:t>
+              <a:t>is a </a:t>
+            </a:r>
+            <a:r>
+              <a:rPr lang="en-US" sz="3200" b="1" dirty="0">
+                <a:solidFill>
+                  <a:schemeClr val="tx2"/>
+                </a:solidFill>
+              </a:rPr>
+              <a:t>time consuming </a:t>
+            </a:r>
+            <a:r>
+              <a:rPr lang="en-US" sz="3200" dirty="0" smtClean="0"/>
+              <a:t>process</a:t>
             </a:r>
             <a:r>
               <a:rPr lang="en-US" sz="3200" dirty="0"/>
-              <a:t>! Teams </a:t>
+              <a:t>! </a:t>
             </a:r>
             <a:r>
               <a:rPr lang="en-US" sz="3200" dirty="0" smtClean="0"/>
-              <a:t>use: </a:t>
+              <a:t>Now teams use: </a:t>
             </a:r>
             <a:endParaRPr lang="en-US" sz="3200" dirty="0"/>
           </a:p>
@@ -20723,37 +21084,26 @@
               <a:t>Custom built Excel tools built from DATIM exports and ICPI MER Structured Datasets </a:t>
             </a:r>
           </a:p>
-          <a:p>
-            <a:pPr>
-              <a:spcBef>
-                <a:spcPts val="1200"/>
-              </a:spcBef>
-            </a:pPr>
-            <a:r>
-              <a:rPr lang="en-US" sz="3200" dirty="0" smtClean="0"/>
-              <a:t>While these are highly customizable…they’re also often incredibly…</a:t>
-            </a:r>
-            <a:endParaRPr lang="en-US" dirty="0" smtClean="0"/>
-          </a:p>
         </p:txBody>
       </p:sp>
       <p:pic>
         <p:nvPicPr>
-          <p:cNvPr id="5" name="Picture 4"/>
+          <p:cNvPr id="6" name="Picture 5"/>
           <p:cNvPicPr>
             <a:picLocks noChangeAspect="1"/>
           </p:cNvPicPr>
           <p:nvPr/>
         </p:nvPicPr>
-        <p:blipFill rotWithShape="1">
+        <p:blipFill>
           <a:blip r:embed="rId3"/>
-          <a:srcRect l="16240" t="10935" r="18183" b="13519"/>
-          <a:stretch/>
+          <a:stretch>
+            <a:fillRect/>
+          </a:stretch>
         </p:blipFill>
         <p:spPr>
           <a:xfrm>
-            <a:off x="4635500" y="4419601"/>
-            <a:ext cx="4051300" cy="1206500"/>
+            <a:off x="3107739" y="3964452"/>
+            <a:ext cx="3267376" cy="2613901"/>
           </a:xfrm>
           <a:prstGeom prst="rect">
             <a:avLst/>
@@ -20763,7 +21113,7 @@
     </p:spTree>
     <p:extLst>
       <p:ext uri="{BB962C8B-B14F-4D97-AF65-F5344CB8AC3E}">
-        <p14:creationId xmlns:p14="http://schemas.microsoft.com/office/powerpoint/2010/main" val="1244257841"/>
+        <p14:creationId xmlns:p14="http://schemas.microsoft.com/office/powerpoint/2010/main" val="1557025003"/>
       </p:ext>
     </p:extLst>
   </p:cSld>
@@ -21765,6 +22115,26 @@
 </file>
 
 <file path=customXml/item1.xml><?xml version="1.0" encoding="utf-8"?>
+<p:properties xmlns:p="http://schemas.microsoft.com/office/2006/metadata/properties" xmlns:xsi="http://www.w3.org/2001/XMLSchema-instance" xmlns:pc="http://schemas.microsoft.com/office/infopath/2007/PartnerControls">
+  <documentManagement>
+    <Fiscal_x0020_Year xmlns="54e040e9-bc5a-4778-bc2d-f4c316b2e12b" xsi:nil="true"/>
+    <Program_x0020_Area xmlns="54e040e9-bc5a-4778-bc2d-f4c316b2e12b" xsi:nil="true"/>
+    <PEPFAR_x0020_Country xmlns="54e040e9-bc5a-4778-bc2d-f4c316b2e12b"/>
+    <TaxKeywordTaxHTField xmlns="54e040e9-bc5a-4778-bc2d-f4c316b2e12b">
+      <Terms xmlns="http://schemas.microsoft.com/office/infopath/2007/PartnerControls"/>
+    </TaxKeywordTaxHTField>
+    <TaxCatchAll xmlns="54e040e9-bc5a-4778-bc2d-f4c316b2e12b"/>
+    <Planning_x0020_and_x0020_Reporting_x0020_Cycle xmlns="54e040e9-bc5a-4778-bc2d-f4c316b2e12b" xsi:nil="true"/>
+    <Agencies xmlns="54e040e9-bc5a-4778-bc2d-f4c316b2e12b" xsi:nil="true"/>
+    <Activity xmlns="54e040e9-bc5a-4778-bc2d-f4c316b2e12b">Communications</Activity>
+    <PublishingExpirationDate xmlns="http://schemas.microsoft.com/sharepoint/v3" xsi:nil="true"/>
+    <PublishingStartDate xmlns="http://schemas.microsoft.com/sharepoint/v3" xsi:nil="true"/>
+    <_dlc_DocIdPersistId xmlns="54e040e9-bc5a-4778-bc2d-f4c316b2e12b" xsi:nil="true"/>
+  </documentManagement>
+</p:properties>
+</file>
+
+<file path=customXml/item2.xml><?xml version="1.0" encoding="utf-8"?>
 <?mso-contentType ?>
 <FormTemplates xmlns="http://schemas.microsoft.com/sharepoint/v3/contenttype/forms">
   <Display>DocumentLibraryForm</Display>
@@ -21773,12 +22143,12 @@
 </FormTemplates>
 </file>
 
-<file path=customXml/item2.xml><?xml version="1.0" encoding="utf-8"?>
+<file path=customXml/item3.xml><?xml version="1.0" encoding="utf-8"?>
 <?mso-contentType ?>
 <spe:Receivers xmlns:spe="http://schemas.microsoft.com/sharepoint/events"/>
 </file>
 
-<file path=customXml/item3.xml><?xml version="1.0" encoding="utf-8"?>
+<file path=customXml/item4.xml><?xml version="1.0" encoding="utf-8"?>
 <ct:contentTypeSchema xmlns:ct="http://schemas.microsoft.com/office/2006/metadata/contentType" xmlns:ma="http://schemas.microsoft.com/office/2006/metadata/properties/metaAttributes" ct:_="" ma:_="" ma:contentTypeName="Document" ma:contentTypeID="0x010100D98268B68B5A1B49AD6EDDAEE62EC364" ma:contentTypeVersion="49" ma:contentTypeDescription="Create a new document." ma:contentTypeScope="" ma:versionID="cf6148ad6d0157bf1d1204d79e62cb07">
   <xsd:schema xmlns:xsd="http://www.w3.org/2001/XMLSchema" xmlns:xs="http://www.w3.org/2001/XMLSchema" xmlns:p="http://schemas.microsoft.com/office/2006/metadata/properties" xmlns:ns1="http://schemas.microsoft.com/sharepoint/v3" xmlns:ns2="54e040e9-bc5a-4778-bc2d-f4c316b2e12b" targetNamespace="http://schemas.microsoft.com/office/2006/metadata/properties" ma:root="true" ma:fieldsID="4095578d42ecd99f41bd738970bf499b" ns1:_="" ns2:_="">
     <xsd:import namespace="http://schemas.microsoft.com/sharepoint/v3"/>
@@ -22117,27 +22487,24 @@
 </ct:contentTypeSchema>
 </file>
 
-<file path=customXml/item4.xml><?xml version="1.0" encoding="utf-8"?>
-<p:properties xmlns:p="http://schemas.microsoft.com/office/2006/metadata/properties" xmlns:xsi="http://www.w3.org/2001/XMLSchema-instance" xmlns:pc="http://schemas.microsoft.com/office/infopath/2007/PartnerControls">
-  <documentManagement>
-    <Fiscal_x0020_Year xmlns="54e040e9-bc5a-4778-bc2d-f4c316b2e12b" xsi:nil="true"/>
-    <Program_x0020_Area xmlns="54e040e9-bc5a-4778-bc2d-f4c316b2e12b" xsi:nil="true"/>
-    <PEPFAR_x0020_Country xmlns="54e040e9-bc5a-4778-bc2d-f4c316b2e12b"/>
-    <TaxKeywordTaxHTField xmlns="54e040e9-bc5a-4778-bc2d-f4c316b2e12b">
-      <Terms xmlns="http://schemas.microsoft.com/office/infopath/2007/PartnerControls"/>
-    </TaxKeywordTaxHTField>
-    <TaxCatchAll xmlns="54e040e9-bc5a-4778-bc2d-f4c316b2e12b"/>
-    <Planning_x0020_and_x0020_Reporting_x0020_Cycle xmlns="54e040e9-bc5a-4778-bc2d-f4c316b2e12b" xsi:nil="true"/>
-    <Agencies xmlns="54e040e9-bc5a-4778-bc2d-f4c316b2e12b" xsi:nil="true"/>
-    <Activity xmlns="54e040e9-bc5a-4778-bc2d-f4c316b2e12b">Communications</Activity>
-    <PublishingExpirationDate xmlns="http://schemas.microsoft.com/sharepoint/v3" xsi:nil="true"/>
-    <PublishingStartDate xmlns="http://schemas.microsoft.com/sharepoint/v3" xsi:nil="true"/>
-    <_dlc_DocIdPersistId xmlns="54e040e9-bc5a-4778-bc2d-f4c316b2e12b" xsi:nil="true"/>
-  </documentManagement>
-</p:properties>
+<file path=customXml/itemProps1.xml><?xml version="1.0" encoding="utf-8"?>
+<ds:datastoreItem xmlns:ds="http://schemas.openxmlformats.org/officeDocument/2006/customXml" ds:itemID="{DB73AAC5-B66B-42DA-9F62-62011DBFAF48}">
+  <ds:schemaRefs>
+    <ds:schemaRef ds:uri="http://purl.org/dc/elements/1.1/"/>
+    <ds:schemaRef ds:uri="http://purl.org/dc/terms/"/>
+    <ds:schemaRef ds:uri="http://schemas.microsoft.com/office/2006/metadata/properties"/>
+    <ds:schemaRef ds:uri="http://www.w3.org/XML/1998/namespace"/>
+    <ds:schemaRef ds:uri="http://schemas.microsoft.com/sharepoint/v3"/>
+    <ds:schemaRef ds:uri="http://schemas.microsoft.com/office/2006/documentManagement/types"/>
+    <ds:schemaRef ds:uri="http://schemas.openxmlformats.org/package/2006/metadata/core-properties"/>
+    <ds:schemaRef ds:uri="http://purl.org/dc/dcmitype/"/>
+    <ds:schemaRef ds:uri="http://schemas.microsoft.com/office/infopath/2007/PartnerControls"/>
+    <ds:schemaRef ds:uri="54e040e9-bc5a-4778-bc2d-f4c316b2e12b"/>
+  </ds:schemaRefs>
+</ds:datastoreItem>
 </file>
 
-<file path=customXml/itemProps1.xml><?xml version="1.0" encoding="utf-8"?>
+<file path=customXml/itemProps2.xml><?xml version="1.0" encoding="utf-8"?>
 <ds:datastoreItem xmlns:ds="http://schemas.openxmlformats.org/officeDocument/2006/customXml" ds:itemID="{5837191F-C94B-4264-A01A-684F657E862A}">
   <ds:schemaRefs>
     <ds:schemaRef ds:uri="http://schemas.microsoft.com/sharepoint/v3/contenttype/forms"/>
@@ -22145,7 +22512,7 @@
 </ds:datastoreItem>
 </file>
 
-<file path=customXml/itemProps2.xml><?xml version="1.0" encoding="utf-8"?>
+<file path=customXml/itemProps3.xml><?xml version="1.0" encoding="utf-8"?>
 <ds:datastoreItem xmlns:ds="http://schemas.openxmlformats.org/officeDocument/2006/customXml" ds:itemID="{55D888DE-E084-4C19-9612-5B1BF7E57265}">
   <ds:schemaRefs>
     <ds:schemaRef ds:uri="http://schemas.microsoft.com/sharepoint/events"/>
@@ -22153,7 +22520,7 @@
 </ds:datastoreItem>
 </file>
 
-<file path=customXml/itemProps3.xml><?xml version="1.0" encoding="utf-8"?>
+<file path=customXml/itemProps4.xml><?xml version="1.0" encoding="utf-8"?>
 <ds:datastoreItem xmlns:ds="http://schemas.openxmlformats.org/officeDocument/2006/customXml" ds:itemID="{B7498A17-FD78-4978-9102-29936323C17F}">
   <ds:schemaRefs>
     <ds:schemaRef ds:uri="http://schemas.microsoft.com/office/2006/metadata/contentType"/>
@@ -22170,21 +22537,4 @@
     <ds:schemaRef ds:uri="http://schemas.microsoft.com/internal/obd"/>
   </ds:schemaRefs>
 </ds:datastoreItem>
-</file>
-
-<file path=customXml/itemProps4.xml><?xml version="1.0" encoding="utf-8"?>
-<ds:datastoreItem xmlns:ds="http://schemas.openxmlformats.org/officeDocument/2006/customXml" ds:itemID="{DB73AAC5-B66B-42DA-9F62-62011DBFAF48}">
-  <ds:schemaRefs>
-    <ds:schemaRef ds:uri="http://schemas.microsoft.com/office/infopath/2007/PartnerControls"/>
-    <ds:schemaRef ds:uri="http://purl.org/dc/terms/"/>
-    <ds:schemaRef ds:uri="http://purl.org/dc/elements/1.1/"/>
-    <ds:schemaRef ds:uri="http://schemas.microsoft.com/sharepoint/v3"/>
-    <ds:schemaRef ds:uri="54e040e9-bc5a-4778-bc2d-f4c316b2e12b"/>
-    <ds:schemaRef ds:uri="http://www.w3.org/XML/1998/namespace"/>
-    <ds:schemaRef ds:uri="http://schemas.microsoft.com/office/2006/documentManagement/types"/>
-    <ds:schemaRef ds:uri="http://schemas.openxmlformats.org/package/2006/metadata/core-properties"/>
-    <ds:schemaRef ds:uri="http://schemas.microsoft.com/office/2006/metadata/properties"/>
-    <ds:schemaRef ds:uri="http://purl.org/dc/dcmitype/"/>
-  </ds:schemaRefs>
-</ds:datastoreItem>
 </file>